--- a/Android企业级项目架构-MAC环境.pptx
+++ b/Android企业级项目架构-MAC环境.pptx
@@ -5,11 +5,14 @@
     <p:sldMasterId id="2147483648" r:id="rId1"/>
   </p:sldMasterIdLst>
   <p:sldIdLst>
-    <p:sldId id="256" r:id="rId2"/>
-    <p:sldId id="257" r:id="rId3"/>
-    <p:sldId id="258" r:id="rId4"/>
-    <p:sldId id="259" r:id="rId5"/>
-    <p:sldId id="260" r:id="rId6"/>
+    <p:sldId id="263" r:id="rId2"/>
+    <p:sldId id="256" r:id="rId3"/>
+    <p:sldId id="257" r:id="rId4"/>
+    <p:sldId id="258" r:id="rId5"/>
+    <p:sldId id="259" r:id="rId6"/>
+    <p:sldId id="260" r:id="rId7"/>
+    <p:sldId id="261" r:id="rId8"/>
+    <p:sldId id="262" r:id="rId9"/>
   </p:sldIdLst>
   <p:sldSz cx="12192000" cy="6858000"/>
   <p:notesSz cx="6858000" cy="9144000"/>
@@ -108,6 +111,11 @@
       </a:defRPr>
     </a:lvl9pPr>
   </p:defaultTextStyle>
+  <p:extLst>
+    <p:ext uri="{EFAFB233-063F-42B5-8137-9DF3F51BA10A}">
+      <p15:sldGuideLst xmlns:p15="http://schemas.microsoft.com/office/powerpoint/2012/main"/>
+    </p:ext>
+  </p:extLst>
 </p:presentation>
 </file>
 
@@ -282,7 +290,7 @@
           <a:p>
             <a:fld id="{48A87A34-81AB-432B-8DAE-1953F412C126}" type="datetimeFigureOut">
               <a:rPr lang="en-US" dirty="0"/>
-              <a:t>7/13/18</a:t>
+              <a:t>7/14/18</a:t>
             </a:fld>
             <a:endParaRPr lang="en-US" dirty="0"/>
           </a:p>
@@ -589,7 +597,7 @@
           <a:p>
             <a:fld id="{48A87A34-81AB-432B-8DAE-1953F412C126}" type="datetimeFigureOut">
               <a:rPr lang="en-US" dirty="0"/>
-              <a:t>7/13/18</a:t>
+              <a:t>7/14/18</a:t>
             </a:fld>
             <a:endParaRPr lang="en-US" dirty="0"/>
           </a:p>
@@ -806,7 +814,7 @@
           <a:p>
             <a:fld id="{48A87A34-81AB-432B-8DAE-1953F412C126}" type="datetimeFigureOut">
               <a:rPr lang="en-US" dirty="0"/>
-              <a:t>7/13/18</a:t>
+              <a:t>7/14/18</a:t>
             </a:fld>
             <a:endParaRPr lang="en-US" dirty="0"/>
           </a:p>
@@ -1092,7 +1100,7 @@
           <a:p>
             <a:fld id="{48A87A34-81AB-432B-8DAE-1953F412C126}" type="datetimeFigureOut">
               <a:rPr lang="en-US" dirty="0"/>
-              <a:t>7/13/18</a:t>
+              <a:t>7/14/18</a:t>
             </a:fld>
             <a:endParaRPr lang="en-US" dirty="0"/>
           </a:p>
@@ -1541,7 +1549,7 @@
           <a:p>
             <a:fld id="{48A87A34-81AB-432B-8DAE-1953F412C126}" type="datetimeFigureOut">
               <a:rPr lang="en-US" dirty="0"/>
-              <a:t>7/13/18</a:t>
+              <a:t>7/14/18</a:t>
             </a:fld>
             <a:endParaRPr lang="en-US" dirty="0"/>
           </a:p>
@@ -2112,7 +2120,7 @@
           <a:p>
             <a:fld id="{48A87A34-81AB-432B-8DAE-1953F412C126}" type="datetimeFigureOut">
               <a:rPr lang="en-US" dirty="0"/>
-              <a:t>7/13/18</a:t>
+              <a:t>7/14/18</a:t>
             </a:fld>
             <a:endParaRPr lang="en-US" dirty="0"/>
           </a:p>
@@ -2959,7 +2967,7 @@
           <a:p>
             <a:fld id="{48A87A34-81AB-432B-8DAE-1953F412C126}" type="datetimeFigureOut">
               <a:rPr lang="en-US" dirty="0"/>
-              <a:t>7/13/18</a:t>
+              <a:t>7/14/18</a:t>
             </a:fld>
             <a:endParaRPr lang="en-US" dirty="0"/>
           </a:p>
@@ -3159,7 +3167,7 @@
           <a:p>
             <a:fld id="{48A87A34-81AB-432B-8DAE-1953F412C126}" type="datetimeFigureOut">
               <a:rPr lang="en-US" dirty="0"/>
-              <a:t>7/13/18</a:t>
+              <a:t>7/14/18</a:t>
             </a:fld>
             <a:endParaRPr lang="en-US" dirty="0"/>
           </a:p>
@@ -3368,7 +3376,7 @@
           <a:p>
             <a:fld id="{48A87A34-81AB-432B-8DAE-1953F412C126}" type="datetimeFigureOut">
               <a:rPr lang="en-US" dirty="0"/>
-              <a:t>7/13/18</a:t>
+              <a:t>7/14/18</a:t>
             </a:fld>
             <a:endParaRPr lang="en-US" dirty="0"/>
           </a:p>
@@ -3568,7 +3576,7 @@
           <a:p>
             <a:fld id="{48A87A34-81AB-432B-8DAE-1953F412C126}" type="datetimeFigureOut">
               <a:rPr lang="en-US" dirty="0"/>
-              <a:t>7/13/18</a:t>
+              <a:t>7/14/18</a:t>
             </a:fld>
             <a:endParaRPr lang="en-US" dirty="0"/>
           </a:p>
@@ -3843,7 +3851,7 @@
           <a:p>
             <a:fld id="{48A87A34-81AB-432B-8DAE-1953F412C126}" type="datetimeFigureOut">
               <a:rPr lang="en-US" dirty="0"/>
-              <a:t>7/13/18</a:t>
+              <a:t>7/14/18</a:t>
             </a:fld>
             <a:endParaRPr lang="en-US" dirty="0"/>
           </a:p>
@@ -4105,7 +4113,7 @@
           <a:p>
             <a:fld id="{48A87A34-81AB-432B-8DAE-1953F412C126}" type="datetimeFigureOut">
               <a:rPr lang="en-US" dirty="0"/>
-              <a:t>7/13/18</a:t>
+              <a:t>7/14/18</a:t>
             </a:fld>
             <a:endParaRPr lang="en-US" dirty="0"/>
           </a:p>
@@ -4515,7 +4523,7 @@
           <a:p>
             <a:fld id="{48A87A34-81AB-432B-8DAE-1953F412C126}" type="datetimeFigureOut">
               <a:rPr lang="en-US" dirty="0"/>
-              <a:t>7/13/18</a:t>
+              <a:t>7/14/18</a:t>
             </a:fld>
             <a:endParaRPr lang="en-US" dirty="0"/>
           </a:p>
@@ -4658,7 +4666,7 @@
           <a:p>
             <a:fld id="{48A87A34-81AB-432B-8DAE-1953F412C126}" type="datetimeFigureOut">
               <a:rPr lang="en-US" dirty="0"/>
-              <a:t>7/13/18</a:t>
+              <a:t>7/14/18</a:t>
             </a:fld>
             <a:endParaRPr lang="en-US" dirty="0"/>
           </a:p>
@@ -4778,7 +4786,7 @@
           <a:p>
             <a:fld id="{48A87A34-81AB-432B-8DAE-1953F412C126}" type="datetimeFigureOut">
               <a:rPr lang="en-US" dirty="0"/>
-              <a:t>7/13/18</a:t>
+              <a:t>7/14/18</a:t>
             </a:fld>
             <a:endParaRPr lang="en-US" dirty="0"/>
           </a:p>
@@ -5052,7 +5060,7 @@
           <a:p>
             <a:fld id="{48A87A34-81AB-432B-8DAE-1953F412C126}" type="datetimeFigureOut">
               <a:rPr lang="en-US" dirty="0"/>
-              <a:t>7/13/18</a:t>
+              <a:t>7/14/18</a:t>
             </a:fld>
             <a:endParaRPr lang="en-US" dirty="0"/>
           </a:p>
@@ -5359,7 +5367,7 @@
           <a:p>
             <a:fld id="{48A87A34-81AB-432B-8DAE-1953F412C126}" type="datetimeFigureOut">
               <a:rPr lang="en-US" dirty="0"/>
-              <a:t>7/13/18</a:t>
+              <a:t>7/14/18</a:t>
             </a:fld>
             <a:endParaRPr lang="en-US" dirty="0"/>
           </a:p>
@@ -5608,7 +5616,7 @@
             <a:fld id="{48A87A34-81AB-432B-8DAE-1953F412C126}" type="datetimeFigureOut">
               <a:rPr lang="en-US" dirty="0"/>
               <a:pPr/>
-              <a:t>7/13/18</a:t>
+              <a:t>7/14/18</a:t>
             </a:fld>
             <a:endParaRPr lang="en-US" dirty="0"/>
           </a:p>
@@ -6050,43 +6058,43 @@
       </p:grpSpPr>
       <p:sp>
         <p:nvSpPr>
-          <p:cNvPr id="2" name="标题 1"/>
-          <p:cNvSpPr>
-            <a:spLocks noGrp="1"/>
-          </p:cNvSpPr>
-          <p:nvPr>
-            <p:ph type="ctrTitle"/>
-          </p:nvPr>
-        </p:nvSpPr>
-        <p:spPr>
-          <a:xfrm>
-            <a:off x="1751012" y="914400"/>
-            <a:ext cx="8689976" cy="2509213"/>
-          </a:xfrm>
-        </p:spPr>
-        <p:txBody>
-          <a:bodyPr>
-            <a:normAutofit/>
+          <p:cNvPr id="4" name="文本框 3"/>
+          <p:cNvSpPr txBox="1"/>
+          <p:nvPr/>
+        </p:nvSpPr>
+        <p:spPr>
+          <a:xfrm>
+            <a:off x="2240826" y="1968500"/>
+            <a:ext cx="7366119" cy="1323439"/>
+          </a:xfrm>
+          <a:prstGeom prst="rect">
+            <a:avLst/>
+          </a:prstGeom>
+          <a:noFill/>
+        </p:spPr>
+        <p:txBody>
+          <a:bodyPr wrap="none" rtlCol="0">
+            <a:spAutoFit/>
           </a:bodyPr>
           <a:lstStyle/>
           <a:p>
             <a:r>
-              <a:rPr lang="en-US" altLang="zh-CN" cap="none" dirty="0" smtClean="0"/>
-              <a:t>Android</a:t>
-            </a:r>
-            <a:r>
-              <a:rPr lang="zh-CN" altLang="en-US" dirty="0" smtClean="0"/>
-              <a:t>企业</a:t>
-            </a:r>
-            <a:r>
-              <a:rPr lang="zh-CN" altLang="en-US" dirty="0"/>
-              <a:t>级项目</a:t>
-            </a:r>
-            <a:r>
-              <a:rPr lang="zh-CN" altLang="en-US" dirty="0" smtClean="0"/>
-              <a:t>架构</a:t>
-            </a:r>
-            <a:endParaRPr lang="zh-CN" altLang="en-US" cap="none" dirty="0">
+              <a:rPr kumimoji="1" lang="en-US" altLang="zh-CN" sz="8000" dirty="0" smtClean="0">
+                <a:latin typeface="SimSun" charset="-122"/>
+                <a:ea typeface="SimSun" charset="-122"/>
+                <a:cs typeface="SimSun" charset="-122"/>
+              </a:rPr>
+              <a:t>it</a:t>
+            </a:r>
+            <a:r>
+              <a:rPr kumimoji="1" lang="zh-CN" altLang="en-US" sz="8000" dirty="0" smtClean="0">
+                <a:latin typeface="SimSun" charset="-122"/>
+                <a:ea typeface="SimSun" charset="-122"/>
+                <a:cs typeface="SimSun" charset="-122"/>
+              </a:rPr>
+              <a:t>大叔晓说编程</a:t>
+            </a:r>
+            <a:endParaRPr kumimoji="1" lang="zh-CN" altLang="en-US" sz="8000" dirty="0">
               <a:latin typeface="SimSun" charset="-122"/>
               <a:ea typeface="SimSun" charset="-122"/>
               <a:cs typeface="SimSun" charset="-122"/>
@@ -6094,68 +6102,16 @@
           </a:p>
         </p:txBody>
       </p:sp>
-      <p:sp>
-        <p:nvSpPr>
-          <p:cNvPr id="3" name="副标题 2"/>
-          <p:cNvSpPr>
-            <a:spLocks noGrp="1"/>
-          </p:cNvSpPr>
-          <p:nvPr>
-            <p:ph type="subTitle" idx="1"/>
-          </p:nvPr>
-        </p:nvSpPr>
-        <p:spPr>
-          <a:xfrm>
-            <a:off x="1751012" y="3886201"/>
-            <a:ext cx="8689976" cy="1054100"/>
-          </a:xfrm>
-        </p:spPr>
-        <p:txBody>
-          <a:bodyPr/>
-          <a:lstStyle/>
-          <a:p>
-            <a:endParaRPr lang="en-US" altLang="zh-CN" dirty="0" smtClean="0"/>
-          </a:p>
-          <a:p>
-            <a:r>
-              <a:rPr lang="en-US" altLang="zh-CN" dirty="0" smtClean="0">
-                <a:solidFill>
-                  <a:schemeClr val="tx1"/>
-                </a:solidFill>
-              </a:rPr>
-              <a:t>01-MAC</a:t>
-            </a:r>
-            <a:r>
-              <a:rPr lang="zh-CN" altLang="en-US" dirty="0">
-                <a:solidFill>
-                  <a:schemeClr val="tx1"/>
-                </a:solidFill>
-              </a:rPr>
-              <a:t>下环境搭建</a:t>
-            </a:r>
-          </a:p>
-          <a:p>
-            <a:endParaRPr kumimoji="1" lang="zh-CN" altLang="en-US" dirty="0"/>
-          </a:p>
-        </p:txBody>
-      </p:sp>
     </p:spTree>
     <p:extLst>
       <p:ext uri="{BB962C8B-B14F-4D97-AF65-F5344CB8AC3E}">
-        <p14:creationId xmlns:p14="http://schemas.microsoft.com/office/powerpoint/2010/main" val="467279208"/>
+        <p14:creationId xmlns:p14="http://schemas.microsoft.com/office/powerpoint/2010/main" val="1489922926"/>
       </p:ext>
     </p:extLst>
   </p:cSld>
   <p:clrMapOvr>
     <a:masterClrMapping/>
   </p:clrMapOvr>
-  <p:timing>
-    <p:tnLst>
-      <p:par>
-        <p:cTn id="1" dur="indefinite" restart="never" nodeType="tmRoot"/>
-      </p:par>
-    </p:tnLst>
-  </p:timing>
 </p:sld>
 </file>
 
@@ -6183,72 +6139,124 @@
             <a:spLocks noGrp="1"/>
           </p:cNvSpPr>
           <p:nvPr>
-            <p:ph type="title"/>
-          </p:nvPr>
-        </p:nvSpPr>
-        <p:spPr>
-          <a:xfrm>
-            <a:off x="710575" y="1"/>
-            <a:ext cx="10364451" cy="990600"/>
+            <p:ph type="ctrTitle"/>
+          </p:nvPr>
+        </p:nvSpPr>
+        <p:spPr>
+          <a:xfrm>
+            <a:off x="1751012" y="914400"/>
+            <a:ext cx="8689976" cy="2509213"/>
           </a:xfrm>
         </p:spPr>
         <p:txBody>
           <a:bodyPr>
-            <a:normAutofit fontScale="90000"/>
+            <a:normAutofit/>
           </a:bodyPr>
           <a:lstStyle/>
           <a:p>
             <a:r>
-              <a:rPr kumimoji="1" lang="zh-CN" altLang="en-US" dirty="0"/>
-              <a:t>开发工具下载   </a:t>
-            </a:r>
-            <a:r>
-              <a:rPr kumimoji="1" lang="en-US" altLang="zh-CN" dirty="0" smtClean="0"/>
-              <a:t/>
-            </a:r>
-            <a:br>
-              <a:rPr kumimoji="1" lang="en-US" altLang="zh-CN" dirty="0" smtClean="0"/>
-            </a:br>
-            <a:r>
-              <a:rPr kumimoji="1" lang="en-US" altLang="zh-CN" cap="none" dirty="0" smtClean="0"/>
-              <a:t>https://</a:t>
-            </a:r>
-            <a:r>
-              <a:rPr kumimoji="1" lang="en-US" altLang="zh-CN" cap="none" dirty="0" err="1" smtClean="0"/>
-              <a:t>developer.android.google.cn</a:t>
-            </a:r>
-            <a:endParaRPr kumimoji="1" lang="en-US" altLang="zh-CN" cap="none" dirty="0"/>
-          </a:p>
-        </p:txBody>
-      </p:sp>
-      <p:pic>
-        <p:nvPicPr>
-          <p:cNvPr id="4" name="图片 3"/>
-          <p:cNvPicPr>
-            <a:picLocks noChangeAspect="1"/>
-          </p:cNvPicPr>
+              <a:rPr lang="en-US" altLang="zh-CN" cap="none" dirty="0" smtClean="0"/>
+              <a:t>Android</a:t>
+            </a:r>
+            <a:r>
+              <a:rPr lang="zh-CN" altLang="en-US" dirty="0" smtClean="0"/>
+              <a:t>企业</a:t>
+            </a:r>
+            <a:r>
+              <a:rPr lang="zh-CN" altLang="en-US" dirty="0"/>
+              <a:t>级项目</a:t>
+            </a:r>
+            <a:r>
+              <a:rPr lang="zh-CN" altLang="en-US" dirty="0" smtClean="0"/>
+              <a:t>架构</a:t>
+            </a:r>
+            <a:endParaRPr lang="zh-CN" altLang="en-US" cap="none" dirty="0">
+              <a:latin typeface="SimSun" charset="-122"/>
+              <a:ea typeface="SimSun" charset="-122"/>
+              <a:cs typeface="SimSun" charset="-122"/>
+            </a:endParaRPr>
+          </a:p>
+        </p:txBody>
+      </p:sp>
+      <p:sp>
+        <p:nvSpPr>
+          <p:cNvPr id="3" name="副标题 2"/>
+          <p:cNvSpPr>
+            <a:spLocks noGrp="1"/>
+          </p:cNvSpPr>
+          <p:nvPr>
+            <p:ph type="subTitle" idx="1"/>
+          </p:nvPr>
+        </p:nvSpPr>
+        <p:spPr>
+          <a:xfrm>
+            <a:off x="1751012" y="3886201"/>
+            <a:ext cx="8689976" cy="1054100"/>
+          </a:xfrm>
+        </p:spPr>
+        <p:txBody>
+          <a:bodyPr/>
+          <a:lstStyle/>
+          <a:p>
+            <a:endParaRPr lang="en-US" altLang="zh-CN" dirty="0" smtClean="0"/>
+          </a:p>
+          <a:p>
+            <a:r>
+              <a:rPr lang="en-US" altLang="zh-CN" dirty="0" smtClean="0">
+                <a:solidFill>
+                  <a:schemeClr val="tx1"/>
+                </a:solidFill>
+              </a:rPr>
+              <a:t>01-MAC</a:t>
+            </a:r>
+            <a:r>
+              <a:rPr lang="zh-CN" altLang="en-US" dirty="0">
+                <a:solidFill>
+                  <a:schemeClr val="tx1"/>
+                </a:solidFill>
+              </a:rPr>
+              <a:t>下环境搭建</a:t>
+            </a:r>
+          </a:p>
+          <a:p>
+            <a:endParaRPr kumimoji="1" lang="zh-CN" altLang="en-US" dirty="0"/>
+          </a:p>
+        </p:txBody>
+      </p:sp>
+      <p:sp>
+        <p:nvSpPr>
+          <p:cNvPr id="4" name="文本框 3"/>
+          <p:cNvSpPr txBox="1"/>
           <p:nvPr/>
-        </p:nvPicPr>
-        <p:blipFill>
-          <a:blip r:embed="rId2"/>
-          <a:stretch>
-            <a:fillRect/>
-          </a:stretch>
-        </p:blipFill>
-        <p:spPr>
-          <a:xfrm>
-            <a:off x="1781406" y="901701"/>
-            <a:ext cx="8222788" cy="5867399"/>
+        </p:nvSpPr>
+        <p:spPr>
+          <a:xfrm>
+            <a:off x="2222500" y="5943600"/>
+            <a:ext cx="245580" cy="369332"/>
           </a:xfrm>
           <a:prstGeom prst="rect">
             <a:avLst/>
           </a:prstGeom>
-        </p:spPr>
-      </p:pic>
+          <a:noFill/>
+        </p:spPr>
+        <p:txBody>
+          <a:bodyPr wrap="none" rtlCol="0">
+            <a:spAutoFit/>
+          </a:bodyPr>
+          <a:lstStyle/>
+          <a:p>
+            <a:r>
+              <a:rPr lang="zh-CN" altLang="en-US" b="1" dirty="0"/>
+              <a:t> </a:t>
+            </a:r>
+            <a:endParaRPr kumimoji="1" lang="zh-CN" altLang="en-US" dirty="0"/>
+          </a:p>
+        </p:txBody>
+      </p:sp>
     </p:spTree>
     <p:extLst>
       <p:ext uri="{BB962C8B-B14F-4D97-AF65-F5344CB8AC3E}">
-        <p14:creationId xmlns:p14="http://schemas.microsoft.com/office/powerpoint/2010/main" val="2046005976"/>
+        <p14:creationId xmlns:p14="http://schemas.microsoft.com/office/powerpoint/2010/main" val="467279208"/>
       </p:ext>
     </p:extLst>
   </p:cSld>
@@ -6282,6 +6290,47 @@
           <a:chExt cx="0" cy="0"/>
         </a:xfrm>
       </p:grpSpPr>
+      <p:sp>
+        <p:nvSpPr>
+          <p:cNvPr id="2" name="标题 1"/>
+          <p:cNvSpPr>
+            <a:spLocks noGrp="1"/>
+          </p:cNvSpPr>
+          <p:nvPr>
+            <p:ph type="title"/>
+          </p:nvPr>
+        </p:nvSpPr>
+        <p:spPr>
+          <a:xfrm>
+            <a:off x="710575" y="1"/>
+            <a:ext cx="10364451" cy="990600"/>
+          </a:xfrm>
+        </p:spPr>
+        <p:txBody>
+          <a:bodyPr>
+            <a:normAutofit fontScale="90000"/>
+          </a:bodyPr>
+          <a:lstStyle/>
+          <a:p>
+            <a:r>
+              <a:rPr kumimoji="1" lang="zh-CN" altLang="en-US" dirty="0"/>
+              <a:t>开发工具下载   </a:t>
+            </a:r>
+            <a:r>
+              <a:rPr kumimoji="1" lang="en-US" altLang="zh-CN" dirty="0" smtClean="0"/>
+              <a:t/>
+            </a:r>
+            <a:br>
+              <a:rPr kumimoji="1" lang="en-US" altLang="zh-CN" dirty="0" smtClean="0"/>
+            </a:br>
+            <a:r>
+              <a:rPr kumimoji="1" lang="en-US" altLang="zh-CN" cap="none" dirty="0" smtClean="0"/>
+              <a:t>https://developer.android.google.cn</a:t>
+            </a:r>
+            <a:endParaRPr kumimoji="1" lang="en-US" altLang="zh-CN" cap="none" dirty="0"/>
+          </a:p>
+        </p:txBody>
+      </p:sp>
       <p:pic>
         <p:nvPicPr>
           <p:cNvPr id="4" name="图片 3"/>
@@ -6298,8 +6347,8 @@
         </p:blipFill>
         <p:spPr>
           <a:xfrm>
-            <a:off x="1866677" y="258690"/>
-            <a:ext cx="7975823" cy="6408809"/>
+            <a:off x="1781406" y="901701"/>
+            <a:ext cx="8222788" cy="5867399"/>
           </a:xfrm>
           <a:prstGeom prst="rect">
             <a:avLst/>
@@ -6309,13 +6358,20 @@
     </p:spTree>
     <p:extLst>
       <p:ext uri="{BB962C8B-B14F-4D97-AF65-F5344CB8AC3E}">
-        <p14:creationId xmlns:p14="http://schemas.microsoft.com/office/powerpoint/2010/main" val="1187176276"/>
+        <p14:creationId xmlns:p14="http://schemas.microsoft.com/office/powerpoint/2010/main" val="2046005976"/>
       </p:ext>
     </p:extLst>
   </p:cSld>
   <p:clrMapOvr>
     <a:masterClrMapping/>
   </p:clrMapOvr>
+  <p:timing>
+    <p:tnLst>
+      <p:par>
+        <p:cTn id="1" dur="indefinite" restart="never" nodeType="tmRoot"/>
+      </p:par>
+    </p:tnLst>
+  </p:timing>
 </p:sld>
 </file>
 
@@ -6352,8 +6408,8 @@
         </p:blipFill>
         <p:spPr>
           <a:xfrm>
-            <a:off x="2190503" y="158800"/>
-            <a:ext cx="7461497" cy="6551143"/>
+            <a:off x="1866677" y="258690"/>
+            <a:ext cx="7975823" cy="6408809"/>
           </a:xfrm>
           <a:prstGeom prst="rect">
             <a:avLst/>
@@ -6363,20 +6419,13 @@
     </p:spTree>
     <p:extLst>
       <p:ext uri="{BB962C8B-B14F-4D97-AF65-F5344CB8AC3E}">
-        <p14:creationId xmlns:p14="http://schemas.microsoft.com/office/powerpoint/2010/main" val="1902212952"/>
+        <p14:creationId xmlns:p14="http://schemas.microsoft.com/office/powerpoint/2010/main" val="1187176276"/>
       </p:ext>
     </p:extLst>
   </p:cSld>
   <p:clrMapOvr>
     <a:masterClrMapping/>
   </p:clrMapOvr>
-  <p:timing>
-    <p:tnLst>
-      <p:par>
-        <p:cTn id="1" dur="indefinite" restart="never" nodeType="tmRoot"/>
-      </p:par>
-    </p:tnLst>
-  </p:timing>
 </p:sld>
 </file>
 
@@ -6413,6 +6462,67 @@
         </p:blipFill>
         <p:spPr>
           <a:xfrm>
+            <a:off x="2190503" y="158800"/>
+            <a:ext cx="7461497" cy="6551143"/>
+          </a:xfrm>
+          <a:prstGeom prst="rect">
+            <a:avLst/>
+          </a:prstGeom>
+        </p:spPr>
+      </p:pic>
+    </p:spTree>
+    <p:extLst>
+      <p:ext uri="{BB962C8B-B14F-4D97-AF65-F5344CB8AC3E}">
+        <p14:creationId xmlns:p14="http://schemas.microsoft.com/office/powerpoint/2010/main" val="1902212952"/>
+      </p:ext>
+    </p:extLst>
+  </p:cSld>
+  <p:clrMapOvr>
+    <a:masterClrMapping/>
+  </p:clrMapOvr>
+  <p:timing>
+    <p:tnLst>
+      <p:par>
+        <p:cTn id="1" dur="indefinite" restart="never" nodeType="tmRoot"/>
+      </p:par>
+    </p:tnLst>
+  </p:timing>
+</p:sld>
+</file>
+
+<file path=ppt/slides/slide6.xml><?xml version="1.0" encoding="utf-8"?>
+<p:sld xmlns:a="http://schemas.openxmlformats.org/drawingml/2006/main" xmlns:r="http://schemas.openxmlformats.org/officeDocument/2006/relationships" xmlns:p="http://schemas.openxmlformats.org/presentationml/2006/main">
+  <p:cSld>
+    <p:spTree>
+      <p:nvGrpSpPr>
+        <p:cNvPr id="1" name=""/>
+        <p:cNvGrpSpPr/>
+        <p:nvPr/>
+      </p:nvGrpSpPr>
+      <p:grpSpPr>
+        <a:xfrm>
+          <a:off x="0" y="0"/>
+          <a:ext cx="0" cy="0"/>
+          <a:chOff x="0" y="0"/>
+          <a:chExt cx="0" cy="0"/>
+        </a:xfrm>
+      </p:grpSpPr>
+      <p:pic>
+        <p:nvPicPr>
+          <p:cNvPr id="4" name="图片 3"/>
+          <p:cNvPicPr>
+            <a:picLocks noChangeAspect="1"/>
+          </p:cNvPicPr>
+          <p:nvPr/>
+        </p:nvPicPr>
+        <p:blipFill>
+          <a:blip r:embed="rId2"/>
+          <a:stretch>
+            <a:fillRect/>
+          </a:stretch>
+        </p:blipFill>
+        <p:spPr>
+          <a:xfrm>
             <a:off x="419100" y="1044850"/>
             <a:ext cx="11315700" cy="3341158"/>
           </a:xfrm>
@@ -6451,6 +6561,60 @@
           </a:p>
         </p:txBody>
       </p:sp>
+      <p:sp>
+        <p:nvSpPr>
+          <p:cNvPr id="2" name="文本框 1"/>
+          <p:cNvSpPr txBox="1"/>
+          <p:nvPr/>
+        </p:nvSpPr>
+        <p:spPr>
+          <a:xfrm>
+            <a:off x="1216883" y="4529288"/>
+            <a:ext cx="1338828" cy="369332"/>
+          </a:xfrm>
+          <a:prstGeom prst="rect">
+            <a:avLst/>
+          </a:prstGeom>
+          <a:noFill/>
+        </p:spPr>
+        <p:txBody>
+          <a:bodyPr wrap="none" rtlCol="0">
+            <a:spAutoFit/>
+          </a:bodyPr>
+          <a:lstStyle/>
+          <a:p>
+            <a:r>
+              <a:rPr kumimoji="1" lang="zh-CN" altLang="en-US" dirty="0" smtClean="0"/>
+              <a:t>下载完成：</a:t>
+            </a:r>
+            <a:endParaRPr kumimoji="1" lang="en-US" altLang="zh-CN" dirty="0" smtClean="0"/>
+          </a:p>
+        </p:txBody>
+      </p:sp>
+      <p:pic>
+        <p:nvPicPr>
+          <p:cNvPr id="6" name="图片 5"/>
+          <p:cNvPicPr>
+            <a:picLocks noChangeAspect="1"/>
+          </p:cNvPicPr>
+          <p:nvPr/>
+        </p:nvPicPr>
+        <p:blipFill>
+          <a:blip r:embed="rId3"/>
+          <a:stretch>
+            <a:fillRect/>
+          </a:stretch>
+        </p:blipFill>
+        <p:spPr>
+          <a:xfrm>
+            <a:off x="1422399" y="5041900"/>
+            <a:ext cx="7787217" cy="990600"/>
+          </a:xfrm>
+          <a:prstGeom prst="rect">
+            <a:avLst/>
+          </a:prstGeom>
+        </p:spPr>
+      </p:pic>
     </p:spTree>
     <p:extLst>
       <p:ext uri="{BB962C8B-B14F-4D97-AF65-F5344CB8AC3E}">
@@ -6468,6 +6632,156 @@
       </p:par>
     </p:tnLst>
   </p:timing>
+</p:sld>
+</file>
+
+<file path=ppt/slides/slide7.xml><?xml version="1.0" encoding="utf-8"?>
+<p:sld xmlns:a="http://schemas.openxmlformats.org/drawingml/2006/main" xmlns:r="http://schemas.openxmlformats.org/officeDocument/2006/relationships" xmlns:p="http://schemas.openxmlformats.org/presentationml/2006/main">
+  <p:cSld>
+    <p:spTree>
+      <p:nvGrpSpPr>
+        <p:cNvPr id="1" name=""/>
+        <p:cNvGrpSpPr/>
+        <p:nvPr/>
+      </p:nvGrpSpPr>
+      <p:grpSpPr>
+        <a:xfrm>
+          <a:off x="0" y="0"/>
+          <a:ext cx="0" cy="0"/>
+          <a:chOff x="0" y="0"/>
+          <a:chExt cx="0" cy="0"/>
+        </a:xfrm>
+      </p:grpSpPr>
+      <p:sp>
+        <p:nvSpPr>
+          <p:cNvPr id="2" name="文本框 1"/>
+          <p:cNvSpPr txBox="1"/>
+          <p:nvPr/>
+        </p:nvSpPr>
+        <p:spPr>
+          <a:xfrm>
+            <a:off x="2032000" y="812800"/>
+            <a:ext cx="5240922" cy="369332"/>
+          </a:xfrm>
+          <a:prstGeom prst="rect">
+            <a:avLst/>
+          </a:prstGeom>
+          <a:noFill/>
+        </p:spPr>
+        <p:txBody>
+          <a:bodyPr wrap="none" rtlCol="0">
+            <a:spAutoFit/>
+          </a:bodyPr>
+          <a:lstStyle/>
+          <a:p>
+            <a:r>
+              <a:rPr kumimoji="1" lang="zh-CN" altLang="en-US" dirty="0" smtClean="0"/>
+              <a:t>课件和</a:t>
+            </a:r>
+            <a:r>
+              <a:rPr kumimoji="1" lang="en-US" altLang="zh-CN" dirty="0" smtClean="0"/>
+              <a:t>PPT</a:t>
+            </a:r>
+            <a:r>
+              <a:rPr kumimoji="1" lang="zh-CN" altLang="en-US" dirty="0" smtClean="0"/>
+              <a:t>下载地址：</a:t>
+            </a:r>
+            <a:r>
+              <a:rPr kumimoji="1" lang="en-US" altLang="zh-CN" dirty="0"/>
+              <a:t>https://github.com/rootsoft007</a:t>
+            </a:r>
+            <a:endParaRPr kumimoji="1" lang="zh-CN" altLang="en-US" dirty="0"/>
+          </a:p>
+        </p:txBody>
+      </p:sp>
+      <p:pic>
+        <p:nvPicPr>
+          <p:cNvPr id="4" name="图片 3"/>
+          <p:cNvPicPr>
+            <a:picLocks noChangeAspect="1"/>
+          </p:cNvPicPr>
+          <p:nvPr/>
+        </p:nvPicPr>
+        <p:blipFill>
+          <a:blip r:embed="rId2"/>
+          <a:stretch>
+            <a:fillRect/>
+          </a:stretch>
+        </p:blipFill>
+        <p:spPr>
+          <a:xfrm>
+            <a:off x="1416258" y="1325911"/>
+            <a:ext cx="7816642" cy="5024090"/>
+          </a:xfrm>
+          <a:prstGeom prst="rect">
+            <a:avLst/>
+          </a:prstGeom>
+        </p:spPr>
+      </p:pic>
+    </p:spTree>
+    <p:extLst>
+      <p:ext uri="{BB962C8B-B14F-4D97-AF65-F5344CB8AC3E}">
+        <p14:creationId xmlns:p14="http://schemas.microsoft.com/office/powerpoint/2010/main" val="929148962"/>
+      </p:ext>
+    </p:extLst>
+  </p:cSld>
+  <p:clrMapOvr>
+    <a:masterClrMapping/>
+  </p:clrMapOvr>
+</p:sld>
+</file>
+
+<file path=ppt/slides/slide8.xml><?xml version="1.0" encoding="utf-8"?>
+<p:sld xmlns:a="http://schemas.openxmlformats.org/drawingml/2006/main" xmlns:r="http://schemas.openxmlformats.org/officeDocument/2006/relationships" xmlns:p="http://schemas.openxmlformats.org/presentationml/2006/main">
+  <p:cSld>
+    <p:spTree>
+      <p:nvGrpSpPr>
+        <p:cNvPr id="1" name=""/>
+        <p:cNvGrpSpPr/>
+        <p:nvPr/>
+      </p:nvGrpSpPr>
+      <p:grpSpPr>
+        <a:xfrm>
+          <a:off x="0" y="0"/>
+          <a:ext cx="0" cy="0"/>
+          <a:chOff x="0" y="0"/>
+          <a:chExt cx="0" cy="0"/>
+        </a:xfrm>
+      </p:grpSpPr>
+      <p:pic>
+        <p:nvPicPr>
+          <p:cNvPr id="5" name="图片 4"/>
+          <p:cNvPicPr>
+            <a:picLocks noChangeAspect="1"/>
+          </p:cNvPicPr>
+          <p:nvPr/>
+        </p:nvPicPr>
+        <p:blipFill>
+          <a:blip r:embed="rId2"/>
+          <a:stretch>
+            <a:fillRect/>
+          </a:stretch>
+        </p:blipFill>
+        <p:spPr>
+          <a:xfrm>
+            <a:off x="966597" y="288700"/>
+            <a:ext cx="8533003" cy="6279569"/>
+          </a:xfrm>
+          <a:prstGeom prst="rect">
+            <a:avLst/>
+          </a:prstGeom>
+        </p:spPr>
+      </p:pic>
+    </p:spTree>
+    <p:extLst>
+      <p:ext uri="{BB962C8B-B14F-4D97-AF65-F5344CB8AC3E}">
+        <p14:creationId xmlns:p14="http://schemas.microsoft.com/office/powerpoint/2010/main" val="277593426"/>
+      </p:ext>
+    </p:extLst>
+  </p:cSld>
+  <p:clrMapOvr>
+    <a:masterClrMapping/>
+  </p:clrMapOvr>
 </p:sld>
 </file>
 
